--- a/Lectures/Day2_1lecture_SimulationOutput.pptx
+++ b/Lectures/Day2_1lecture_SimulationOutput.pptx
@@ -14,6 +14,8 @@
     <p:sldId id="262" r:id="rId8"/>
     <p:sldId id="263" r:id="rId9"/>
     <p:sldId id="264" r:id="rId10"/>
+    <p:sldId id="265" r:id="rId11"/>
+    <p:sldId id="266" r:id="rId12"/>
   </p:sldIdLst>
   <p:sldSz cx="12192000" cy="6858000"/>
   <p:notesSz cx="6858000" cy="9144000"/>
@@ -285,7 +287,7 @@
           <a:p>
             <a:fld id="{97B19A04-721A-4D4A-88DE-D208E98FF357}" type="datetimeFigureOut">
               <a:rPr lang="en-US" smtClean="0"/>
-              <a:t>1/5/2023</a:t>
+              <a:t>1/9/2023</a:t>
             </a:fld>
             <a:endParaRPr lang="en-US"/>
           </a:p>
@@ -483,7 +485,7 @@
           <a:p>
             <a:fld id="{97B19A04-721A-4D4A-88DE-D208E98FF357}" type="datetimeFigureOut">
               <a:rPr lang="en-US" smtClean="0"/>
-              <a:t>1/5/2023</a:t>
+              <a:t>1/9/2023</a:t>
             </a:fld>
             <a:endParaRPr lang="en-US"/>
           </a:p>
@@ -691,7 +693,7 @@
           <a:p>
             <a:fld id="{97B19A04-721A-4D4A-88DE-D208E98FF357}" type="datetimeFigureOut">
               <a:rPr lang="en-US" smtClean="0"/>
-              <a:t>1/5/2023</a:t>
+              <a:t>1/9/2023</a:t>
             </a:fld>
             <a:endParaRPr lang="en-US"/>
           </a:p>
@@ -943,7 +945,7 @@
           <a:p>
             <a:fld id="{97B19A04-721A-4D4A-88DE-D208E98FF357}" type="datetimeFigureOut">
               <a:rPr lang="en-US" smtClean="0"/>
-              <a:t>1/5/2023</a:t>
+              <a:t>1/9/2023</a:t>
             </a:fld>
             <a:endParaRPr lang="en-US"/>
           </a:p>
@@ -1218,7 +1220,7 @@
           <a:p>
             <a:fld id="{97B19A04-721A-4D4A-88DE-D208E98FF357}" type="datetimeFigureOut">
               <a:rPr lang="en-US" smtClean="0"/>
-              <a:t>1/5/2023</a:t>
+              <a:t>1/9/2023</a:t>
             </a:fld>
             <a:endParaRPr lang="en-US"/>
           </a:p>
@@ -1483,7 +1485,7 @@
           <a:p>
             <a:fld id="{97B19A04-721A-4D4A-88DE-D208E98FF357}" type="datetimeFigureOut">
               <a:rPr lang="en-US" smtClean="0"/>
-              <a:t>1/5/2023</a:t>
+              <a:t>1/9/2023</a:t>
             </a:fld>
             <a:endParaRPr lang="en-US"/>
           </a:p>
@@ -1895,7 +1897,7 @@
           <a:p>
             <a:fld id="{97B19A04-721A-4D4A-88DE-D208E98FF357}" type="datetimeFigureOut">
               <a:rPr lang="en-US" smtClean="0"/>
-              <a:t>1/5/2023</a:t>
+              <a:t>1/9/2023</a:t>
             </a:fld>
             <a:endParaRPr lang="en-US"/>
           </a:p>
@@ -2036,7 +2038,7 @@
           <a:p>
             <a:fld id="{97B19A04-721A-4D4A-88DE-D208E98FF357}" type="datetimeFigureOut">
               <a:rPr lang="en-US" smtClean="0"/>
-              <a:t>1/5/2023</a:t>
+              <a:t>1/9/2023</a:t>
             </a:fld>
             <a:endParaRPr lang="en-US"/>
           </a:p>
@@ -2149,7 +2151,7 @@
           <a:p>
             <a:fld id="{97B19A04-721A-4D4A-88DE-D208E98FF357}" type="datetimeFigureOut">
               <a:rPr lang="en-US" smtClean="0"/>
-              <a:t>1/5/2023</a:t>
+              <a:t>1/9/2023</a:t>
             </a:fld>
             <a:endParaRPr lang="en-US"/>
           </a:p>
@@ -2460,7 +2462,7 @@
           <a:p>
             <a:fld id="{97B19A04-721A-4D4A-88DE-D208E98FF357}" type="datetimeFigureOut">
               <a:rPr lang="en-US" smtClean="0"/>
-              <a:t>1/5/2023</a:t>
+              <a:t>1/9/2023</a:t>
             </a:fld>
             <a:endParaRPr lang="en-US"/>
           </a:p>
@@ -2748,7 +2750,7 @@
           <a:p>
             <a:fld id="{97B19A04-721A-4D4A-88DE-D208E98FF357}" type="datetimeFigureOut">
               <a:rPr lang="en-US" smtClean="0"/>
-              <a:t>1/5/2023</a:t>
+              <a:t>1/9/2023</a:t>
             </a:fld>
             <a:endParaRPr lang="en-US"/>
           </a:p>
@@ -2989,7 +2991,7 @@
           <a:p>
             <a:fld id="{97B19A04-721A-4D4A-88DE-D208E98FF357}" type="datetimeFigureOut">
               <a:rPr lang="en-US" smtClean="0"/>
-              <a:t>1/5/2023</a:t>
+              <a:t>1/9/2023</a:t>
             </a:fld>
             <a:endParaRPr lang="en-US"/>
           </a:p>
@@ -3468,6 +3470,248 @@
 </p:sld>
 </file>
 
+<file path=ppt/slides/slide10.xml><?xml version="1.0" encoding="utf-8"?>
+<p:sld xmlns:a="http://schemas.openxmlformats.org/drawingml/2006/main" xmlns:r="http://schemas.openxmlformats.org/officeDocument/2006/relationships" xmlns:p="http://schemas.openxmlformats.org/presentationml/2006/main">
+  <p:cSld>
+    <p:spTree>
+      <p:nvGrpSpPr>
+        <p:cNvPr id="1" name=""/>
+        <p:cNvGrpSpPr/>
+        <p:nvPr/>
+      </p:nvGrpSpPr>
+      <p:grpSpPr>
+        <a:xfrm>
+          <a:off x="0" y="0"/>
+          <a:ext cx="0" cy="0"/>
+          <a:chOff x="0" y="0"/>
+          <a:chExt cx="0" cy="0"/>
+        </a:xfrm>
+      </p:grpSpPr>
+      <p:sp>
+        <p:nvSpPr>
+          <p:cNvPr id="2" name="Title 1">
+            <a:extLst>
+              <a:ext uri="{FF2B5EF4-FFF2-40B4-BE49-F238E27FC236}">
+                <a16:creationId xmlns:a16="http://schemas.microsoft.com/office/drawing/2014/main" id="{BB996109-81CC-4986-B619-8BBE869694DD}"/>
+              </a:ext>
+            </a:extLst>
+          </p:cNvPr>
+          <p:cNvSpPr>
+            <a:spLocks noGrp="1"/>
+          </p:cNvSpPr>
+          <p:nvPr>
+            <p:ph type="title"/>
+          </p:nvPr>
+        </p:nvSpPr>
+        <p:spPr/>
+        <p:txBody>
+          <a:bodyPr/>
+          <a:lstStyle/>
+          <a:p>
+            <a:r>
+              <a:rPr lang="en-US" dirty="0"/>
+              <a:t>Observation package (.csv)</a:t>
+            </a:r>
+          </a:p>
+        </p:txBody>
+      </p:sp>
+      <p:sp>
+        <p:nvSpPr>
+          <p:cNvPr id="3" name="Content Placeholder 2">
+            <a:extLst>
+              <a:ext uri="{FF2B5EF4-FFF2-40B4-BE49-F238E27FC236}">
+                <a16:creationId xmlns:a16="http://schemas.microsoft.com/office/drawing/2014/main" id="{A223D57E-C3B0-4C22-95BC-0F1FAFABBCB4}"/>
+              </a:ext>
+            </a:extLst>
+          </p:cNvPr>
+          <p:cNvSpPr>
+            <a:spLocks noGrp="1"/>
+          </p:cNvSpPr>
+          <p:nvPr>
+            <p:ph idx="1"/>
+          </p:nvPr>
+        </p:nvSpPr>
+        <p:spPr/>
+        <p:txBody>
+          <a:bodyPr/>
+          <a:lstStyle/>
+          <a:p>
+            <a:r>
+              <a:rPr lang="en-US" dirty="0"/>
+              <a:t>Comma separated value file:</a:t>
+            </a:r>
+          </a:p>
+          <a:p>
+            <a:pPr lvl="1"/>
+            <a:r>
+              <a:rPr lang="en-US" dirty="0"/>
+              <a:t>Stores observations for heads, exchanges, and information from advanced packages </a:t>
+            </a:r>
+          </a:p>
+          <a:p>
+            <a:pPr lvl="2"/>
+            <a:r>
+              <a:rPr lang="en-US" dirty="0"/>
+              <a:t>Can be used as a package (heads GWF)</a:t>
+            </a:r>
+          </a:p>
+          <a:p>
+            <a:pPr lvl="2"/>
+            <a:r>
+              <a:rPr lang="en-US" dirty="0"/>
+              <a:t>Can be used as a sub package for flow between boundary condition and groundwater</a:t>
+            </a:r>
+          </a:p>
+          <a:p>
+            <a:pPr lvl="2"/>
+            <a:endParaRPr lang="en-US" dirty="0"/>
+          </a:p>
+          <a:p>
+            <a:pPr marL="1371600" lvl="3" indent="0">
+              <a:buNone/>
+            </a:pPr>
+            <a:endParaRPr lang="en-US" dirty="0"/>
+          </a:p>
+          <a:p>
+            <a:pPr lvl="2"/>
+            <a:endParaRPr lang="en-US" dirty="0"/>
+          </a:p>
+        </p:txBody>
+      </p:sp>
+    </p:spTree>
+    <p:extLst>
+      <p:ext uri="{BB962C8B-B14F-4D97-AF65-F5344CB8AC3E}">
+        <p14:creationId xmlns:p14="http://schemas.microsoft.com/office/powerpoint/2010/main" val="1232386649"/>
+      </p:ext>
+    </p:extLst>
+  </p:cSld>
+  <p:clrMapOvr>
+    <a:masterClrMapping/>
+  </p:clrMapOvr>
+</p:sld>
+</file>
+
+<file path=ppt/slides/slide11.xml><?xml version="1.0" encoding="utf-8"?>
+<p:sld xmlns:a="http://schemas.openxmlformats.org/drawingml/2006/main" xmlns:r="http://schemas.openxmlformats.org/officeDocument/2006/relationships" xmlns:p="http://schemas.openxmlformats.org/presentationml/2006/main">
+  <p:cSld>
+    <p:spTree>
+      <p:nvGrpSpPr>
+        <p:cNvPr id="1" name=""/>
+        <p:cNvGrpSpPr/>
+        <p:nvPr/>
+      </p:nvGrpSpPr>
+      <p:grpSpPr>
+        <a:xfrm>
+          <a:off x="0" y="0"/>
+          <a:ext cx="0" cy="0"/>
+          <a:chOff x="0" y="0"/>
+          <a:chExt cx="0" cy="0"/>
+        </a:xfrm>
+      </p:grpSpPr>
+      <p:sp>
+        <p:nvSpPr>
+          <p:cNvPr id="2" name="Title 1">
+            <a:extLst>
+              <a:ext uri="{FF2B5EF4-FFF2-40B4-BE49-F238E27FC236}">
+                <a16:creationId xmlns:a16="http://schemas.microsoft.com/office/drawing/2014/main" id="{BB996109-81CC-4986-B619-8BBE869694DD}"/>
+              </a:ext>
+            </a:extLst>
+          </p:cNvPr>
+          <p:cNvSpPr>
+            <a:spLocks noGrp="1"/>
+          </p:cNvSpPr>
+          <p:nvPr>
+            <p:ph type="title"/>
+          </p:nvPr>
+        </p:nvSpPr>
+        <p:spPr/>
+        <p:txBody>
+          <a:bodyPr/>
+          <a:lstStyle/>
+          <a:p>
+            <a:r>
+              <a:rPr lang="en-US" dirty="0"/>
+              <a:t>Observation package (.csv)</a:t>
+            </a:r>
+          </a:p>
+        </p:txBody>
+      </p:sp>
+      <p:sp>
+        <p:nvSpPr>
+          <p:cNvPr id="3" name="Content Placeholder 2">
+            <a:extLst>
+              <a:ext uri="{FF2B5EF4-FFF2-40B4-BE49-F238E27FC236}">
+                <a16:creationId xmlns:a16="http://schemas.microsoft.com/office/drawing/2014/main" id="{A223D57E-C3B0-4C22-95BC-0F1FAFABBCB4}"/>
+              </a:ext>
+            </a:extLst>
+          </p:cNvPr>
+          <p:cNvSpPr>
+            <a:spLocks noGrp="1"/>
+          </p:cNvSpPr>
+          <p:nvPr>
+            <p:ph idx="1"/>
+          </p:nvPr>
+        </p:nvSpPr>
+        <p:spPr/>
+        <p:txBody>
+          <a:bodyPr/>
+          <a:lstStyle/>
+          <a:p>
+            <a:r>
+              <a:rPr lang="en-US" dirty="0"/>
+              <a:t>Comma separated value file:</a:t>
+            </a:r>
+          </a:p>
+          <a:p>
+            <a:pPr lvl="1"/>
+            <a:r>
+              <a:rPr lang="en-US" dirty="0"/>
+              <a:t>Stores observations for heads, exchanges, and information from advanced packages </a:t>
+            </a:r>
+          </a:p>
+          <a:p>
+            <a:pPr lvl="2"/>
+            <a:r>
+              <a:rPr lang="en-US" dirty="0"/>
+              <a:t>Can be used as a package (heads GWF)</a:t>
+            </a:r>
+          </a:p>
+          <a:p>
+            <a:pPr lvl="2"/>
+            <a:r>
+              <a:rPr lang="en-US" dirty="0"/>
+              <a:t>Can be used as a sub package for flow between boundary condition and groundwater</a:t>
+            </a:r>
+          </a:p>
+          <a:p>
+            <a:pPr lvl="2"/>
+            <a:endParaRPr lang="en-US" dirty="0"/>
+          </a:p>
+          <a:p>
+            <a:pPr marL="1371600" lvl="3" indent="0">
+              <a:buNone/>
+            </a:pPr>
+            <a:endParaRPr lang="en-US" dirty="0"/>
+          </a:p>
+          <a:p>
+            <a:pPr lvl="2"/>
+            <a:endParaRPr lang="en-US" dirty="0"/>
+          </a:p>
+        </p:txBody>
+      </p:sp>
+    </p:spTree>
+    <p:extLst>
+      <p:ext uri="{BB962C8B-B14F-4D97-AF65-F5344CB8AC3E}">
+        <p14:creationId xmlns:p14="http://schemas.microsoft.com/office/powerpoint/2010/main" val="3545238956"/>
+      </p:ext>
+    </p:extLst>
+  </p:cSld>
+  <p:clrMapOvr>
+    <a:masterClrMapping/>
+  </p:clrMapOvr>
+</p:sld>
+</file>
+
 <file path=ppt/slides/slide2.xml><?xml version="1.0" encoding="utf-8"?>
 <p:sld xmlns:a="http://schemas.openxmlformats.org/drawingml/2006/main" xmlns:r="http://schemas.openxmlformats.org/officeDocument/2006/relationships" xmlns:p="http://schemas.openxmlformats.org/presentationml/2006/main">
   <p:cSld>
@@ -3606,6 +3850,12 @@
             <a:r>
               <a:rPr lang="en-US" dirty="0"/>
               <a:t>Budget csv (.csv)</a:t>
+            </a:r>
+          </a:p>
+          <a:p>
+            <a:r>
+              <a:rPr lang="en-US" dirty="0"/>
+              <a:t>Observations (.csv)</a:t>
             </a:r>
           </a:p>
         </p:txBody>
